--- a/doc/fvat/poster.pptx
+++ b/doc/fvat/poster.pptx
@@ -6,7 +6,7 @@
     <p:sldMasterId id="2147483660" r:id="rId2"/>
   </p:sldMasterIdLst>
   <p:notesMasterIdLst>
-    <p:notesMasterId r:id="rId13"/>
+    <p:notesMasterId r:id="rId15"/>
   </p:notesMasterIdLst>
   <p:sldIdLst>
     <p:sldId id="257" r:id="rId3"/>
@@ -19,6 +19,8 @@
     <p:sldId id="264" r:id="rId10"/>
     <p:sldId id="265" r:id="rId11"/>
     <p:sldId id="270" r:id="rId12"/>
+    <p:sldId id="296" r:id="rId13"/>
+    <p:sldId id="297" r:id="rId14"/>
   </p:sldIdLst>
   <p:sldSz cx="9144000" cy="6858000" type="screen4x3"/>
   <p:notesSz cx="6797675" cy="9926638"/>
@@ -118,6 +120,354 @@
     </a:lvl9pPr>
   </p:defaultTextStyle>
 </p:presentation>
+</file>
+
+<file path=ppt/charts/chart1.xml><?xml version="1.0" encoding="utf-8"?>
+<c:chartSpace xmlns:c="http://schemas.openxmlformats.org/drawingml/2006/chart" xmlns:a="http://schemas.openxmlformats.org/drawingml/2006/main" xmlns:r="http://schemas.openxmlformats.org/officeDocument/2006/relationships">
+  <c:date1904 val="0"/>
+  <c:lang val="sk-SK"/>
+  <c:roundedCorners val="0"/>
+  <mc:AlternateContent xmlns:mc="http://schemas.openxmlformats.org/markup-compatibility/2006">
+    <mc:Choice xmlns:c14="http://schemas.microsoft.com/office/drawing/2007/8/2/chart" Requires="c14">
+      <c14:style val="102"/>
+    </mc:Choice>
+    <mc:Fallback>
+      <c:style val="2"/>
+    </mc:Fallback>
+  </mc:AlternateContent>
+  <c:chart>
+    <c:title>
+      <c:tx>
+        <c:rich>
+          <a:bodyPr/>
+          <a:lstStyle/>
+          <a:p>
+            <a:pPr>
+              <a:defRPr/>
+            </a:pPr>
+            <a:r>
+              <a:rPr lang="en-US" sz="2400" dirty="0" err="1"/>
+              <a:t>Vyhodnotenie</a:t>
+            </a:r>
+            <a:r>
+              <a:rPr lang="en-US" sz="2400" dirty="0"/>
+              <a:t> </a:t>
+            </a:r>
+            <a:r>
+              <a:rPr lang="en-US" sz="2400" dirty="0" err="1"/>
+              <a:t>manévrovateľnosti</a:t>
+            </a:r>
+            <a:r>
+              <a:rPr lang="en-US" sz="2400" dirty="0"/>
+              <a:t> </a:t>
+            </a:r>
+            <a:r>
+              <a:rPr lang="en-US" sz="2400" dirty="0" err="1"/>
+              <a:t>na</a:t>
+            </a:r>
+            <a:r>
+              <a:rPr lang="en-US" sz="2400" dirty="0"/>
+              <a:t> </a:t>
+            </a:r>
+            <a:r>
+              <a:rPr lang="en-US" sz="2400" dirty="0" err="1"/>
+              <a:t>základe</a:t>
+            </a:r>
+            <a:r>
+              <a:rPr lang="en-US" sz="2400" dirty="0"/>
+              <a:t> </a:t>
+            </a:r>
+            <a:r>
+              <a:rPr lang="en-US" sz="2400" dirty="0" err="1"/>
+              <a:t>času</a:t>
+            </a:r>
+            <a:r>
+              <a:rPr lang="en-US" sz="2400" dirty="0"/>
+              <a:t> </a:t>
+            </a:r>
+            <a:r>
+              <a:rPr lang="en-US" sz="2400" dirty="0" err="1"/>
+              <a:t>potrebného</a:t>
+            </a:r>
+            <a:r>
+              <a:rPr lang="en-US" sz="2400" dirty="0"/>
+              <a:t> </a:t>
+            </a:r>
+            <a:r>
+              <a:rPr lang="en-US" sz="2400" dirty="0" err="1"/>
+              <a:t>na</a:t>
+            </a:r>
+            <a:r>
+              <a:rPr lang="en-US" sz="2400" dirty="0"/>
+              <a:t> </a:t>
+            </a:r>
+            <a:r>
+              <a:rPr lang="en-US" sz="2400" dirty="0" err="1"/>
+              <a:t>prejdenie</a:t>
+            </a:r>
+            <a:r>
+              <a:rPr lang="en-US" sz="2400" dirty="0"/>
+              <a:t> </a:t>
+            </a:r>
+            <a:r>
+              <a:rPr lang="en-US" sz="2400" dirty="0" err="1"/>
+              <a:t>stanovenej</a:t>
+            </a:r>
+            <a:r>
+              <a:rPr lang="en-US" sz="2400" baseline="0" dirty="0"/>
+              <a:t> </a:t>
+            </a:r>
+            <a:r>
+              <a:rPr lang="en-US" sz="2400" baseline="0" dirty="0" err="1"/>
+              <a:t>trasy</a:t>
+            </a:r>
+            <a:endParaRPr lang="en-US" sz="2400" dirty="0"/>
+          </a:p>
+        </c:rich>
+      </c:tx>
+      <c:layout/>
+      <c:overlay val="0"/>
+    </c:title>
+    <c:autoTitleDeleted val="0"/>
+    <c:plotArea>
+      <c:layout/>
+      <c:barChart>
+        <c:barDir val="col"/>
+        <c:grouping val="clustered"/>
+        <c:varyColors val="0"/>
+        <c:ser>
+          <c:idx val="0"/>
+          <c:order val="0"/>
+          <c:tx>
+            <c:strRef>
+              <c:f>Hárok1!$C$10</c:f>
+              <c:strCache>
+                <c:ptCount val="1"/>
+                <c:pt idx="0">
+                  <c:v>Čas [s]</c:v>
+                </c:pt>
+              </c:strCache>
+            </c:strRef>
+          </c:tx>
+          <c:invertIfNegative val="0"/>
+          <c:dPt>
+            <c:idx val="3"/>
+            <c:invertIfNegative val="0"/>
+            <c:bubble3D val="0"/>
+            <c:spPr>
+              <a:solidFill>
+                <a:schemeClr val="accent6"/>
+              </a:solidFill>
+            </c:spPr>
+          </c:dPt>
+          <c:dPt>
+            <c:idx val="4"/>
+            <c:invertIfNegative val="0"/>
+            <c:bubble3D val="0"/>
+            <c:spPr>
+              <a:solidFill>
+                <a:schemeClr val="accent6"/>
+              </a:solidFill>
+            </c:spPr>
+          </c:dPt>
+          <c:dPt>
+            <c:idx val="5"/>
+            <c:invertIfNegative val="0"/>
+            <c:bubble3D val="0"/>
+            <c:spPr>
+              <a:solidFill>
+                <a:schemeClr val="accent6"/>
+              </a:solidFill>
+            </c:spPr>
+          </c:dPt>
+          <c:cat>
+            <c:strRef>
+              <c:f>Hárok1!$B$11:$B$16</c:f>
+              <c:strCache>
+                <c:ptCount val="6"/>
+                <c:pt idx="0">
+                  <c:v>Volant 1</c:v>
+                </c:pt>
+                <c:pt idx="1">
+                  <c:v>Volant 2</c:v>
+                </c:pt>
+                <c:pt idx="2">
+                  <c:v>Volant 3</c:v>
+                </c:pt>
+                <c:pt idx="3">
+                  <c:v>Klávesnica 1</c:v>
+                </c:pt>
+                <c:pt idx="4">
+                  <c:v>Klávesnica 2</c:v>
+                </c:pt>
+                <c:pt idx="5">
+                  <c:v>Klávesnica 3</c:v>
+                </c:pt>
+              </c:strCache>
+            </c:strRef>
+          </c:cat>
+          <c:val>
+            <c:numRef>
+              <c:f>Hárok1!$C$11:$C$16</c:f>
+              <c:numCache>
+                <c:formatCode>General</c:formatCode>
+                <c:ptCount val="6"/>
+                <c:pt idx="0">
+                  <c:v>20.6</c:v>
+                </c:pt>
+                <c:pt idx="1">
+                  <c:v>20.9</c:v>
+                </c:pt>
+                <c:pt idx="2">
+                  <c:v>21.3</c:v>
+                </c:pt>
+                <c:pt idx="3">
+                  <c:v>48.7</c:v>
+                </c:pt>
+                <c:pt idx="4">
+                  <c:v>52.2</c:v>
+                </c:pt>
+                <c:pt idx="5">
+                  <c:v>55.7</c:v>
+                </c:pt>
+              </c:numCache>
+            </c:numRef>
+          </c:val>
+        </c:ser>
+        <c:dLbls>
+          <c:showLegendKey val="0"/>
+          <c:showVal val="0"/>
+          <c:showCatName val="0"/>
+          <c:showSerName val="0"/>
+          <c:showPercent val="0"/>
+          <c:showBubbleSize val="0"/>
+        </c:dLbls>
+        <c:gapWidth val="150"/>
+        <c:axId val="186587776"/>
+        <c:axId val="209494400"/>
+      </c:barChart>
+      <c:catAx>
+        <c:axId val="186587776"/>
+        <c:scaling>
+          <c:orientation val="minMax"/>
+        </c:scaling>
+        <c:delete val="0"/>
+        <c:axPos val="b"/>
+        <c:title>
+          <c:tx>
+            <c:rich>
+              <a:bodyPr/>
+              <a:lstStyle/>
+              <a:p>
+                <a:pPr>
+                  <a:defRPr sz="1400"/>
+                </a:pPr>
+                <a:r>
+                  <a:rPr lang="en-US" sz="1400"/>
+                  <a:t>Spôsob ovládania a poradové číslo pokusu</a:t>
+                </a:r>
+                <a:endParaRPr lang="sk-SK" sz="1400"/>
+              </a:p>
+            </c:rich>
+          </c:tx>
+          <c:layout/>
+          <c:overlay val="0"/>
+        </c:title>
+        <c:majorTickMark val="out"/>
+        <c:minorTickMark val="none"/>
+        <c:tickLblPos val="nextTo"/>
+        <c:txPr>
+          <a:bodyPr/>
+          <a:lstStyle/>
+          <a:p>
+            <a:pPr>
+              <a:defRPr sz="1400"/>
+            </a:pPr>
+            <a:endParaRPr lang="sk-SK"/>
+          </a:p>
+        </c:txPr>
+        <c:crossAx val="209494400"/>
+        <c:crosses val="autoZero"/>
+        <c:auto val="1"/>
+        <c:lblAlgn val="ctr"/>
+        <c:lblOffset val="100"/>
+        <c:noMultiLvlLbl val="0"/>
+      </c:catAx>
+      <c:valAx>
+        <c:axId val="209494400"/>
+        <c:scaling>
+          <c:orientation val="minMax"/>
+        </c:scaling>
+        <c:delete val="0"/>
+        <c:axPos val="l"/>
+        <c:majorGridlines/>
+        <c:title>
+          <c:tx>
+            <c:rich>
+              <a:bodyPr rot="-5400000" vert="horz"/>
+              <a:lstStyle/>
+              <a:p>
+                <a:pPr>
+                  <a:defRPr/>
+                </a:pPr>
+                <a:r>
+                  <a:rPr lang="en-US" sz="1400" dirty="0" err="1"/>
+                  <a:t>Čas</a:t>
+                </a:r>
+                <a:r>
+                  <a:rPr lang="en-US" sz="1400" baseline="0" dirty="0"/>
+                  <a:t> </a:t>
+                </a:r>
+                <a:r>
+                  <a:rPr lang="en-US" sz="1400" baseline="0" dirty="0" err="1"/>
+                  <a:t>prejdenia</a:t>
+                </a:r>
+                <a:r>
+                  <a:rPr lang="en-US" sz="1400" baseline="0" dirty="0"/>
+                  <a:t> </a:t>
+                </a:r>
+                <a:r>
+                  <a:rPr lang="en-US" sz="1400" baseline="0" dirty="0" err="1"/>
+                  <a:t>trasy</a:t>
+                </a:r>
+                <a:r>
+                  <a:rPr lang="en-US" sz="1400" baseline="0" dirty="0"/>
+                  <a:t> [s]</a:t>
+                </a:r>
+                <a:endParaRPr lang="sk-SK" sz="1400" dirty="0"/>
+              </a:p>
+            </c:rich>
+          </c:tx>
+          <c:layout/>
+          <c:overlay val="0"/>
+        </c:title>
+        <c:numFmt formatCode="General" sourceLinked="1"/>
+        <c:majorTickMark val="out"/>
+        <c:minorTickMark val="none"/>
+        <c:tickLblPos val="nextTo"/>
+        <c:txPr>
+          <a:bodyPr/>
+          <a:lstStyle/>
+          <a:p>
+            <a:pPr>
+              <a:defRPr sz="1200"/>
+            </a:pPr>
+            <a:endParaRPr lang="sk-SK"/>
+          </a:p>
+        </c:txPr>
+        <c:crossAx val="186587776"/>
+        <c:crosses val="autoZero"/>
+        <c:crossBetween val="between"/>
+      </c:valAx>
+    </c:plotArea>
+    <c:plotVisOnly val="1"/>
+    <c:dispBlanksAs val="gap"/>
+    <c:showDLblsOverMax val="0"/>
+  </c:chart>
+  <c:externalData r:id="rId1">
+    <c:autoUpdate val="0"/>
+  </c:externalData>
+</c:chartSpace>
 </file>
 
 <file path=ppt/notesMasters/notesMaster1.xml><?xml version="1.0" encoding="utf-8"?>
@@ -9525,7 +9875,6 @@
               <a:rPr lang="sk-SK" sz="4000" b="1" dirty="0"/>
               <a:t>. Priemerný čas na prechod testovacou trasou klesol z 52,2 na 20,9 sekundy.</a:t>
             </a:r>
-            <a:endParaRPr lang="sk-SK" sz="4000" b="1" dirty="0"/>
           </a:p>
         </p:txBody>
       </p:sp>
@@ -9612,6 +9961,1517 @@
       </p:par>
     </p:tnLst>
   </p:timing>
+</p:sld>
+</file>
+
+<file path=ppt/slides/slide11.xml><?xml version="1.0" encoding="utf-8"?>
+<p:sld xmlns:a="http://schemas.openxmlformats.org/drawingml/2006/main" xmlns:r="http://schemas.openxmlformats.org/officeDocument/2006/relationships" xmlns:p="http://schemas.openxmlformats.org/presentationml/2006/main">
+  <p:cSld>
+    <p:spTree>
+      <p:nvGrpSpPr>
+        <p:cNvPr id="1" name=""/>
+        <p:cNvGrpSpPr/>
+        <p:nvPr/>
+      </p:nvGrpSpPr>
+      <p:grpSpPr>
+        <a:xfrm>
+          <a:off x="0" y="0"/>
+          <a:ext cx="0" cy="0"/>
+          <a:chOff x="0" y="0"/>
+          <a:chExt cx="0" cy="0"/>
+        </a:xfrm>
+      </p:grpSpPr>
+      <p:sp>
+        <p:nvSpPr>
+          <p:cNvPr id="2" name="Nadpis 1"/>
+          <p:cNvSpPr>
+            <a:spLocks noGrp="1"/>
+          </p:cNvSpPr>
+          <p:nvPr>
+            <p:ph type="title"/>
+          </p:nvPr>
+        </p:nvSpPr>
+        <p:spPr/>
+        <p:txBody>
+          <a:bodyPr>
+            <a:normAutofit/>
+          </a:bodyPr>
+          <a:lstStyle/>
+          <a:p>
+            <a:r>
+              <a:rPr lang="sk-SK" sz="6000" b="1" dirty="0" smtClean="0">
+                <a:ln w="17780" cmpd="sng">
+                  <a:solidFill>
+                    <a:srgbClr val="FFFFFF"/>
+                  </a:solidFill>
+                  <a:prstDash val="solid"/>
+                  <a:miter lim="800000"/>
+                </a:ln>
+                <a:gradFill rotWithShape="1">
+                  <a:gsLst>
+                    <a:gs pos="0">
+                      <a:srgbClr val="000000">
+                        <a:tint val="92000"/>
+                        <a:shade val="100000"/>
+                        <a:satMod val="150000"/>
+                      </a:srgbClr>
+                    </a:gs>
+                    <a:gs pos="49000">
+                      <a:srgbClr val="000000">
+                        <a:tint val="89000"/>
+                        <a:shade val="90000"/>
+                        <a:satMod val="150000"/>
+                      </a:srgbClr>
+                    </a:gs>
+                    <a:gs pos="50000">
+                      <a:srgbClr val="000000">
+                        <a:tint val="100000"/>
+                        <a:shade val="75000"/>
+                        <a:satMod val="150000"/>
+                      </a:srgbClr>
+                    </a:gs>
+                    <a:gs pos="95000">
+                      <a:srgbClr val="000000">
+                        <a:shade val="47000"/>
+                        <a:satMod val="150000"/>
+                      </a:srgbClr>
+                    </a:gs>
+                    <a:gs pos="100000">
+                      <a:srgbClr val="000000">
+                        <a:shade val="39000"/>
+                        <a:satMod val="150000"/>
+                      </a:srgbClr>
+                    </a:gs>
+                  </a:gsLst>
+                  <a:lin ang="5400000"/>
+                </a:gradFill>
+                <a:effectLst>
+                  <a:outerShdw blurRad="50800" algn="tl" rotWithShape="0">
+                    <a:srgbClr val="000000"/>
+                  </a:outerShdw>
+                </a:effectLst>
+              </a:rPr>
+              <a:t>Priebeh pokusu</a:t>
+            </a:r>
+            <a:endParaRPr lang="sk-SK" sz="6000" b="1" dirty="0">
+              <a:ln w="17780" cmpd="sng">
+                <a:solidFill>
+                  <a:srgbClr val="FFFFFF"/>
+                </a:solidFill>
+                <a:prstDash val="solid"/>
+                <a:miter lim="800000"/>
+              </a:ln>
+              <a:gradFill rotWithShape="1">
+                <a:gsLst>
+                  <a:gs pos="0">
+                    <a:srgbClr val="000000">
+                      <a:tint val="92000"/>
+                      <a:shade val="100000"/>
+                      <a:satMod val="150000"/>
+                    </a:srgbClr>
+                  </a:gs>
+                  <a:gs pos="49000">
+                    <a:srgbClr val="000000">
+                      <a:tint val="89000"/>
+                      <a:shade val="90000"/>
+                      <a:satMod val="150000"/>
+                    </a:srgbClr>
+                  </a:gs>
+                  <a:gs pos="50000">
+                    <a:srgbClr val="000000">
+                      <a:tint val="100000"/>
+                      <a:shade val="75000"/>
+                      <a:satMod val="150000"/>
+                    </a:srgbClr>
+                  </a:gs>
+                  <a:gs pos="95000">
+                    <a:srgbClr val="000000">
+                      <a:shade val="47000"/>
+                      <a:satMod val="150000"/>
+                    </a:srgbClr>
+                  </a:gs>
+                  <a:gs pos="100000">
+                    <a:srgbClr val="000000">
+                      <a:shade val="39000"/>
+                      <a:satMod val="150000"/>
+                    </a:srgbClr>
+                  </a:gs>
+                </a:gsLst>
+                <a:lin ang="5400000"/>
+              </a:gradFill>
+              <a:effectLst>
+                <a:outerShdw blurRad="50800" algn="tl" rotWithShape="0">
+                  <a:srgbClr val="000000"/>
+                </a:outerShdw>
+              </a:effectLst>
+            </a:endParaRPr>
+          </a:p>
+        </p:txBody>
+      </p:sp>
+      <p:sp>
+        <p:nvSpPr>
+          <p:cNvPr id="3" name="Zástupný symbol obsahu 2"/>
+          <p:cNvSpPr>
+            <a:spLocks noGrp="1"/>
+          </p:cNvSpPr>
+          <p:nvPr>
+            <p:ph idx="1"/>
+          </p:nvPr>
+        </p:nvSpPr>
+        <p:spPr/>
+        <p:txBody>
+          <a:bodyPr/>
+          <a:lstStyle/>
+          <a:p>
+            <a:endParaRPr lang="sk-SK"/>
+          </a:p>
+        </p:txBody>
+      </p:sp>
+      <p:pic>
+        <p:nvPicPr>
+          <p:cNvPr id="4" name="Obrázok 3" descr="X:\foto-robot\IMG_8316.JPG"/>
+          <p:cNvPicPr/>
+          <p:nvPr/>
+        </p:nvPicPr>
+        <p:blipFill rotWithShape="1">
+          <a:blip r:embed="rId2">
+            <a:extLst>
+              <a:ext uri="{BEBA8EAE-BF5A-486C-A8C5-ECC9F3942E4B}">
+                <a14:imgProps xmlns:a14="http://schemas.microsoft.com/office/drawing/2010/main">
+                  <a14:imgLayer r:embed="rId3">
+                    <a14:imgEffect>
+                      <a14:brightnessContrast bright="40000" contrast="20000"/>
+                    </a14:imgEffect>
+                  </a14:imgLayer>
+                </a14:imgProps>
+              </a:ext>
+              <a:ext uri="{28A0092B-C50C-407E-A947-70E740481C1C}">
+                <a14:useLocalDpi xmlns:a14="http://schemas.microsoft.com/office/drawing/2010/main" val="0"/>
+              </a:ext>
+            </a:extLst>
+          </a:blip>
+          <a:srcRect t="22116"/>
+          <a:stretch/>
+        </p:blipFill>
+        <p:spPr bwMode="auto">
+          <a:xfrm>
+            <a:off x="0" y="1484245"/>
+            <a:ext cx="9144000" cy="5341319"/>
+          </a:xfrm>
+          <a:prstGeom prst="rect">
+            <a:avLst/>
+          </a:prstGeom>
+          <a:noFill/>
+          <a:ln>
+            <a:noFill/>
+          </a:ln>
+        </p:spPr>
+      </p:pic>
+    </p:spTree>
+    <p:extLst>
+      <p:ext uri="{BB962C8B-B14F-4D97-AF65-F5344CB8AC3E}">
+        <p14:creationId xmlns:p14="http://schemas.microsoft.com/office/powerpoint/2010/main" val="2233235223"/>
+      </p:ext>
+    </p:extLst>
+  </p:cSld>
+  <p:clrMapOvr>
+    <a:masterClrMapping/>
+  </p:clrMapOvr>
+</p:sld>
+</file>
+
+<file path=ppt/slides/slide12.xml><?xml version="1.0" encoding="utf-8"?>
+<p:sld xmlns:a="http://schemas.openxmlformats.org/drawingml/2006/main" xmlns:r="http://schemas.openxmlformats.org/officeDocument/2006/relationships" xmlns:p="http://schemas.openxmlformats.org/presentationml/2006/main">
+  <p:cSld>
+    <p:spTree>
+      <p:nvGrpSpPr>
+        <p:cNvPr id="1" name=""/>
+        <p:cNvGrpSpPr/>
+        <p:nvPr/>
+      </p:nvGrpSpPr>
+      <p:grpSpPr>
+        <a:xfrm>
+          <a:off x="0" y="0"/>
+          <a:ext cx="0" cy="0"/>
+          <a:chOff x="0" y="0"/>
+          <a:chExt cx="0" cy="0"/>
+        </a:xfrm>
+      </p:grpSpPr>
+      <p:graphicFrame>
+        <p:nvGraphicFramePr>
+          <p:cNvPr id="4" name="Tabuľka 3"/>
+          <p:cNvGraphicFramePr>
+            <a:graphicFrameLocks noGrp="1"/>
+          </p:cNvGraphicFramePr>
+          <p:nvPr>
+            <p:extLst>
+              <p:ext uri="{D42A27DB-BD31-4B8C-83A1-F6EECF244321}">
+                <p14:modId xmlns:p14="http://schemas.microsoft.com/office/powerpoint/2010/main" val="3962185390"/>
+              </p:ext>
+            </p:extLst>
+          </p:nvPr>
+        </p:nvGraphicFramePr>
+        <p:xfrm>
+          <a:off x="6300192" y="4709131"/>
+          <a:ext cx="2808312" cy="2104245"/>
+        </p:xfrm>
+        <a:graphic>
+          <a:graphicData uri="http://schemas.openxmlformats.org/drawingml/2006/table">
+            <a:tbl>
+              <a:tblPr firstRow="1">
+                <a:effectLst>
+                  <a:outerShdw blurRad="50800" dist="38100" dir="2700000" algn="tl" rotWithShape="0">
+                    <a:prstClr val="black">
+                      <a:alpha val="40000"/>
+                    </a:prstClr>
+                  </a:outerShdw>
+                </a:effectLst>
+                <a:tableStyleId>{3C2FFA5D-87B4-456A-9821-1D502468CF0F}</a:tableStyleId>
+              </a:tblPr>
+              <a:tblGrid>
+                <a:gridCol w="1872208"/>
+                <a:gridCol w="936104"/>
+              </a:tblGrid>
+              <a:tr h="230693">
+                <a:tc>
+                  <a:txBody>
+                    <a:bodyPr/>
+                    <a:lstStyle/>
+                    <a:p>
+                      <a:pPr algn="l" fontAlgn="b"/>
+                      <a:r>
+                        <a:rPr lang="sk-SK" sz="1400" u="none" strike="noStrike" dirty="0" smtClean="0">
+                          <a:effectLst/>
+                        </a:rPr>
+                        <a:t>Prechod</a:t>
+                      </a:r>
+                      <a:endParaRPr lang="sk-SK" sz="1400" b="1" i="0" u="none" strike="noStrike" dirty="0">
+                        <a:solidFill>
+                          <a:srgbClr val="000000"/>
+                        </a:solidFill>
+                        <a:effectLst/>
+                        <a:latin typeface="Calibri"/>
+                      </a:endParaRPr>
+                    </a:p>
+                  </a:txBody>
+                  <a:tcPr marL="72000" marR="72000" marT="18000" marB="0" anchor="b">
+                    <a:lnL w="12700" cap="flat" cmpd="sng" algn="ctr">
+                      <a:solidFill>
+                        <a:schemeClr val="tx1"/>
+                      </a:solidFill>
+                      <a:prstDash val="solid"/>
+                      <a:round/>
+                      <a:headEnd type="none" w="med" len="med"/>
+                      <a:tailEnd type="none" w="med" len="med"/>
+                    </a:lnL>
+                    <a:lnR w="12700" cap="flat" cmpd="sng" algn="ctr">
+                      <a:solidFill>
+                        <a:schemeClr val="tx1"/>
+                      </a:solidFill>
+                      <a:prstDash val="solid"/>
+                      <a:round/>
+                      <a:headEnd type="none" w="med" len="med"/>
+                      <a:tailEnd type="none" w="med" len="med"/>
+                    </a:lnR>
+                    <a:lnT w="12700" cap="flat" cmpd="sng" algn="ctr">
+                      <a:solidFill>
+                        <a:schemeClr val="tx1"/>
+                      </a:solidFill>
+                      <a:prstDash val="solid"/>
+                      <a:round/>
+                      <a:headEnd type="none" w="med" len="med"/>
+                      <a:tailEnd type="none" w="med" len="med"/>
+                    </a:lnT>
+                    <a:lnB w="12700" cap="flat" cmpd="sng" algn="ctr">
+                      <a:solidFill>
+                        <a:schemeClr val="tx1"/>
+                      </a:solidFill>
+                      <a:prstDash val="solid"/>
+                      <a:round/>
+                      <a:headEnd type="none" w="med" len="med"/>
+                      <a:tailEnd type="none" w="med" len="med"/>
+                    </a:lnB>
+                  </a:tcPr>
+                </a:tc>
+                <a:tc>
+                  <a:txBody>
+                    <a:bodyPr/>
+                    <a:lstStyle/>
+                    <a:p>
+                      <a:pPr algn="r" fontAlgn="b"/>
+                      <a:r>
+                        <a:rPr lang="sk-SK" sz="1400" u="none" strike="noStrike" dirty="0">
+                          <a:effectLst/>
+                        </a:rPr>
+                        <a:t>Čas [</a:t>
+                      </a:r>
+                      <a:r>
+                        <a:rPr lang="sk-SK" sz="1400" u="none" strike="noStrike" dirty="0" smtClean="0">
+                          <a:effectLst/>
+                        </a:rPr>
+                        <a:t>s]</a:t>
+                      </a:r>
+                      <a:r>
+                        <a:rPr lang="en-US" sz="1400" u="none" strike="noStrike" dirty="0" smtClean="0">
+                          <a:effectLst/>
+                        </a:rPr>
+                        <a:t>    </a:t>
+                      </a:r>
+                      <a:endParaRPr lang="sk-SK" sz="1400" b="1" i="0" u="none" strike="noStrike" dirty="0">
+                        <a:solidFill>
+                          <a:srgbClr val="000000"/>
+                        </a:solidFill>
+                        <a:effectLst/>
+                        <a:latin typeface="Calibri"/>
+                      </a:endParaRPr>
+                    </a:p>
+                  </a:txBody>
+                  <a:tcPr marL="72000" marR="72000" marT="18000" marB="0" anchor="b">
+                    <a:lnL w="12700" cap="flat" cmpd="sng" algn="ctr">
+                      <a:solidFill>
+                        <a:schemeClr val="tx1"/>
+                      </a:solidFill>
+                      <a:prstDash val="solid"/>
+                      <a:round/>
+                      <a:headEnd type="none" w="med" len="med"/>
+                      <a:tailEnd type="none" w="med" len="med"/>
+                    </a:lnL>
+                    <a:lnR w="12700" cap="flat" cmpd="sng" algn="ctr">
+                      <a:solidFill>
+                        <a:schemeClr val="tx1"/>
+                      </a:solidFill>
+                      <a:prstDash val="solid"/>
+                      <a:round/>
+                      <a:headEnd type="none" w="med" len="med"/>
+                      <a:tailEnd type="none" w="med" len="med"/>
+                    </a:lnR>
+                    <a:lnT w="12700" cap="flat" cmpd="sng" algn="ctr">
+                      <a:solidFill>
+                        <a:schemeClr val="tx1"/>
+                      </a:solidFill>
+                      <a:prstDash val="solid"/>
+                      <a:round/>
+                      <a:headEnd type="none" w="med" len="med"/>
+                      <a:tailEnd type="none" w="med" len="med"/>
+                    </a:lnT>
+                    <a:lnB w="12700" cap="flat" cmpd="sng" algn="ctr">
+                      <a:solidFill>
+                        <a:schemeClr val="tx1"/>
+                      </a:solidFill>
+                      <a:prstDash val="solid"/>
+                      <a:round/>
+                      <a:headEnd type="none" w="med" len="med"/>
+                      <a:tailEnd type="none" w="med" len="med"/>
+                    </a:lnB>
+                  </a:tcPr>
+                </a:tc>
+              </a:tr>
+              <a:tr h="230693">
+                <a:tc>
+                  <a:txBody>
+                    <a:bodyPr/>
+                    <a:lstStyle/>
+                    <a:p>
+                      <a:pPr algn="l" fontAlgn="b"/>
+                      <a:r>
+                        <a:rPr lang="sk-SK" sz="1400" u="none" strike="noStrike" dirty="0" smtClean="0">
+                          <a:effectLst/>
+                        </a:rPr>
+                        <a:t>Volant </a:t>
+                      </a:r>
+                      <a:r>
+                        <a:rPr lang="sk-SK" sz="1400" u="none" strike="noStrike" dirty="0">
+                          <a:effectLst/>
+                        </a:rPr>
+                        <a:t>1</a:t>
+                      </a:r>
+                      <a:endParaRPr lang="sk-SK" sz="1400" b="0" i="0" u="none" strike="noStrike" dirty="0">
+                        <a:solidFill>
+                          <a:srgbClr val="000000"/>
+                        </a:solidFill>
+                        <a:effectLst/>
+                        <a:latin typeface="Calibri"/>
+                      </a:endParaRPr>
+                    </a:p>
+                  </a:txBody>
+                  <a:tcPr marL="72000" marR="72000" marT="18000" marB="0" anchor="b">
+                    <a:lnL w="12700" cap="flat" cmpd="sng" algn="ctr">
+                      <a:solidFill>
+                        <a:schemeClr val="tx1"/>
+                      </a:solidFill>
+                      <a:prstDash val="solid"/>
+                      <a:round/>
+                      <a:headEnd type="none" w="med" len="med"/>
+                      <a:tailEnd type="none" w="med" len="med"/>
+                    </a:lnL>
+                    <a:lnR w="12700" cap="flat" cmpd="sng" algn="ctr">
+                      <a:solidFill>
+                        <a:schemeClr val="tx1"/>
+                      </a:solidFill>
+                      <a:prstDash val="solid"/>
+                      <a:round/>
+                      <a:headEnd type="none" w="med" len="med"/>
+                      <a:tailEnd type="none" w="med" len="med"/>
+                    </a:lnR>
+                    <a:lnT w="12700" cap="flat" cmpd="sng" algn="ctr">
+                      <a:solidFill>
+                        <a:schemeClr val="tx1"/>
+                      </a:solidFill>
+                      <a:prstDash val="solid"/>
+                      <a:round/>
+                      <a:headEnd type="none" w="med" len="med"/>
+                      <a:tailEnd type="none" w="med" len="med"/>
+                    </a:lnT>
+                    <a:lnB w="12700" cap="flat" cmpd="sng" algn="ctr">
+                      <a:solidFill>
+                        <a:schemeClr val="tx1"/>
+                      </a:solidFill>
+                      <a:prstDash val="solid"/>
+                      <a:round/>
+                      <a:headEnd type="none" w="med" len="med"/>
+                      <a:tailEnd type="none" w="med" len="med"/>
+                    </a:lnB>
+                    <a:lnTlToBr w="12700" cmpd="sng">
+                      <a:noFill/>
+                      <a:prstDash val="solid"/>
+                    </a:lnTlToBr>
+                    <a:lnBlToTr w="12700" cmpd="sng">
+                      <a:noFill/>
+                      <a:prstDash val="solid"/>
+                    </a:lnBlToTr>
+                  </a:tcPr>
+                </a:tc>
+                <a:tc>
+                  <a:txBody>
+                    <a:bodyPr/>
+                    <a:lstStyle/>
+                    <a:p>
+                      <a:pPr algn="r" fontAlgn="b"/>
+                      <a:r>
+                        <a:rPr lang="sk-SK" sz="1400" u="none" strike="noStrike" dirty="0" smtClean="0">
+                          <a:effectLst/>
+                        </a:rPr>
+                        <a:t>20,6</a:t>
+                      </a:r>
+                      <a:r>
+                        <a:rPr lang="en-US" sz="1400" u="none" strike="noStrike" dirty="0" smtClean="0">
+                          <a:effectLst/>
+                        </a:rPr>
+                        <a:t> </a:t>
+                      </a:r>
+                      <a:endParaRPr lang="sk-SK" sz="1400" b="0" i="0" u="none" strike="noStrike" dirty="0">
+                        <a:solidFill>
+                          <a:srgbClr val="000000"/>
+                        </a:solidFill>
+                        <a:effectLst/>
+                        <a:latin typeface="Calibri"/>
+                      </a:endParaRPr>
+                    </a:p>
+                  </a:txBody>
+                  <a:tcPr marL="72000" marR="72000" marT="18000" marB="0" anchor="b">
+                    <a:lnL w="12700" cap="flat" cmpd="sng" algn="ctr">
+                      <a:solidFill>
+                        <a:schemeClr val="tx1"/>
+                      </a:solidFill>
+                      <a:prstDash val="solid"/>
+                      <a:round/>
+                      <a:headEnd type="none" w="med" len="med"/>
+                      <a:tailEnd type="none" w="med" len="med"/>
+                    </a:lnL>
+                    <a:lnR w="12700" cap="flat" cmpd="sng" algn="ctr">
+                      <a:solidFill>
+                        <a:schemeClr val="tx1"/>
+                      </a:solidFill>
+                      <a:prstDash val="solid"/>
+                      <a:round/>
+                      <a:headEnd type="none" w="med" len="med"/>
+                      <a:tailEnd type="none" w="med" len="med"/>
+                    </a:lnR>
+                    <a:lnT w="12700" cap="flat" cmpd="sng" algn="ctr">
+                      <a:solidFill>
+                        <a:schemeClr val="tx1"/>
+                      </a:solidFill>
+                      <a:prstDash val="solid"/>
+                      <a:round/>
+                      <a:headEnd type="none" w="med" len="med"/>
+                      <a:tailEnd type="none" w="med" len="med"/>
+                    </a:lnT>
+                    <a:lnB w="12700" cap="flat" cmpd="sng" algn="ctr">
+                      <a:solidFill>
+                        <a:schemeClr val="tx1"/>
+                      </a:solidFill>
+                      <a:prstDash val="solid"/>
+                      <a:round/>
+                      <a:headEnd type="none" w="med" len="med"/>
+                      <a:tailEnd type="none" w="med" len="med"/>
+                    </a:lnB>
+                  </a:tcPr>
+                </a:tc>
+              </a:tr>
+              <a:tr h="230693">
+                <a:tc>
+                  <a:txBody>
+                    <a:bodyPr/>
+                    <a:lstStyle/>
+                    <a:p>
+                      <a:pPr algn="l" fontAlgn="b"/>
+                      <a:r>
+                        <a:rPr lang="sk-SK" sz="1400" u="none" strike="noStrike" dirty="0" smtClean="0">
+                          <a:effectLst/>
+                        </a:rPr>
+                        <a:t>Volant </a:t>
+                      </a:r>
+                      <a:r>
+                        <a:rPr lang="sk-SK" sz="1400" u="none" strike="noStrike" dirty="0">
+                          <a:effectLst/>
+                        </a:rPr>
+                        <a:t>2</a:t>
+                      </a:r>
+                      <a:endParaRPr lang="sk-SK" sz="1400" b="0" i="0" u="none" strike="noStrike" dirty="0">
+                        <a:solidFill>
+                          <a:srgbClr val="000000"/>
+                        </a:solidFill>
+                        <a:effectLst/>
+                        <a:latin typeface="Calibri"/>
+                      </a:endParaRPr>
+                    </a:p>
+                  </a:txBody>
+                  <a:tcPr marL="72000" marR="72000" marT="18000" marB="0" anchor="b">
+                    <a:lnL w="12700" cap="flat" cmpd="sng" algn="ctr">
+                      <a:solidFill>
+                        <a:schemeClr val="tx1"/>
+                      </a:solidFill>
+                      <a:prstDash val="solid"/>
+                      <a:round/>
+                      <a:headEnd type="none" w="med" len="med"/>
+                      <a:tailEnd type="none" w="med" len="med"/>
+                    </a:lnL>
+                    <a:lnR w="12700" cap="flat" cmpd="sng" algn="ctr">
+                      <a:solidFill>
+                        <a:schemeClr val="tx1"/>
+                      </a:solidFill>
+                      <a:prstDash val="solid"/>
+                      <a:round/>
+                      <a:headEnd type="none" w="med" len="med"/>
+                      <a:tailEnd type="none" w="med" len="med"/>
+                    </a:lnR>
+                    <a:lnT w="12700" cap="flat" cmpd="sng" algn="ctr">
+                      <a:solidFill>
+                        <a:schemeClr val="tx1"/>
+                      </a:solidFill>
+                      <a:prstDash val="solid"/>
+                      <a:round/>
+                      <a:headEnd type="none" w="med" len="med"/>
+                      <a:tailEnd type="none" w="med" len="med"/>
+                    </a:lnT>
+                    <a:lnB w="12700" cap="flat" cmpd="sng" algn="ctr">
+                      <a:solidFill>
+                        <a:schemeClr val="tx1"/>
+                      </a:solidFill>
+                      <a:prstDash val="solid"/>
+                      <a:round/>
+                      <a:headEnd type="none" w="med" len="med"/>
+                      <a:tailEnd type="none" w="med" len="med"/>
+                    </a:lnB>
+                  </a:tcPr>
+                </a:tc>
+                <a:tc>
+                  <a:txBody>
+                    <a:bodyPr/>
+                    <a:lstStyle/>
+                    <a:p>
+                      <a:pPr algn="r" fontAlgn="b"/>
+                      <a:r>
+                        <a:rPr lang="sk-SK" sz="1400" u="none" strike="noStrike" dirty="0" smtClean="0">
+                          <a:effectLst/>
+                        </a:rPr>
+                        <a:t>20,9</a:t>
+                      </a:r>
+                      <a:r>
+                        <a:rPr lang="en-US" sz="1400" u="none" strike="noStrike" dirty="0" smtClean="0">
+                          <a:effectLst/>
+                        </a:rPr>
+                        <a:t> </a:t>
+                      </a:r>
+                      <a:endParaRPr lang="sk-SK" sz="1400" b="0" i="0" u="none" strike="noStrike" dirty="0">
+                        <a:solidFill>
+                          <a:srgbClr val="000000"/>
+                        </a:solidFill>
+                        <a:effectLst/>
+                        <a:latin typeface="Calibri"/>
+                      </a:endParaRPr>
+                    </a:p>
+                  </a:txBody>
+                  <a:tcPr marL="72000" marR="72000" marT="18000" marB="0" anchor="b">
+                    <a:lnL w="12700" cap="flat" cmpd="sng" algn="ctr">
+                      <a:solidFill>
+                        <a:schemeClr val="tx1"/>
+                      </a:solidFill>
+                      <a:prstDash val="solid"/>
+                      <a:round/>
+                      <a:headEnd type="none" w="med" len="med"/>
+                      <a:tailEnd type="none" w="med" len="med"/>
+                    </a:lnL>
+                    <a:lnR w="12700" cap="flat" cmpd="sng" algn="ctr">
+                      <a:solidFill>
+                        <a:schemeClr val="tx1"/>
+                      </a:solidFill>
+                      <a:prstDash val="solid"/>
+                      <a:round/>
+                      <a:headEnd type="none" w="med" len="med"/>
+                      <a:tailEnd type="none" w="med" len="med"/>
+                    </a:lnR>
+                    <a:lnT w="12700" cap="flat" cmpd="sng" algn="ctr">
+                      <a:solidFill>
+                        <a:schemeClr val="tx1"/>
+                      </a:solidFill>
+                      <a:prstDash val="solid"/>
+                      <a:round/>
+                      <a:headEnd type="none" w="med" len="med"/>
+                      <a:tailEnd type="none" w="med" len="med"/>
+                    </a:lnT>
+                    <a:lnB w="12700" cap="flat" cmpd="sng" algn="ctr">
+                      <a:solidFill>
+                        <a:schemeClr val="tx1"/>
+                      </a:solidFill>
+                      <a:prstDash val="solid"/>
+                      <a:round/>
+                      <a:headEnd type="none" w="med" len="med"/>
+                      <a:tailEnd type="none" w="med" len="med"/>
+                    </a:lnB>
+                  </a:tcPr>
+                </a:tc>
+              </a:tr>
+              <a:tr h="230693">
+                <a:tc>
+                  <a:txBody>
+                    <a:bodyPr/>
+                    <a:lstStyle/>
+                    <a:p>
+                      <a:pPr algn="l" fontAlgn="b"/>
+                      <a:r>
+                        <a:rPr lang="sk-SK" sz="1400" u="none" strike="noStrike" dirty="0" smtClean="0">
+                          <a:effectLst/>
+                        </a:rPr>
+                        <a:t>Volant </a:t>
+                      </a:r>
+                      <a:r>
+                        <a:rPr lang="sk-SK" sz="1400" u="none" strike="noStrike" dirty="0">
+                          <a:effectLst/>
+                        </a:rPr>
+                        <a:t>3</a:t>
+                      </a:r>
+                      <a:endParaRPr lang="sk-SK" sz="1400" b="0" i="0" u="none" strike="noStrike" dirty="0">
+                        <a:solidFill>
+                          <a:srgbClr val="000000"/>
+                        </a:solidFill>
+                        <a:effectLst/>
+                        <a:latin typeface="Calibri"/>
+                      </a:endParaRPr>
+                    </a:p>
+                  </a:txBody>
+                  <a:tcPr marL="72000" marR="72000" marT="18000" marB="0" anchor="b">
+                    <a:lnL w="12700" cap="flat" cmpd="sng" algn="ctr">
+                      <a:solidFill>
+                        <a:schemeClr val="tx1"/>
+                      </a:solidFill>
+                      <a:prstDash val="solid"/>
+                      <a:round/>
+                      <a:headEnd type="none" w="med" len="med"/>
+                      <a:tailEnd type="none" w="med" len="med"/>
+                    </a:lnL>
+                    <a:lnR w="12700" cap="flat" cmpd="sng" algn="ctr">
+                      <a:solidFill>
+                        <a:schemeClr val="tx1"/>
+                      </a:solidFill>
+                      <a:prstDash val="solid"/>
+                      <a:round/>
+                      <a:headEnd type="none" w="med" len="med"/>
+                      <a:tailEnd type="none" w="med" len="med"/>
+                    </a:lnR>
+                    <a:lnT w="12700" cap="flat" cmpd="sng" algn="ctr">
+                      <a:solidFill>
+                        <a:schemeClr val="tx1"/>
+                      </a:solidFill>
+                      <a:prstDash val="solid"/>
+                      <a:round/>
+                      <a:headEnd type="none" w="med" len="med"/>
+                      <a:tailEnd type="none" w="med" len="med"/>
+                    </a:lnT>
+                    <a:lnB w="12700" cap="flat" cmpd="sng" algn="ctr">
+                      <a:solidFill>
+                        <a:schemeClr val="tx1"/>
+                      </a:solidFill>
+                      <a:prstDash val="solid"/>
+                      <a:round/>
+                      <a:headEnd type="none" w="med" len="med"/>
+                      <a:tailEnd type="none" w="med" len="med"/>
+                    </a:lnB>
+                  </a:tcPr>
+                </a:tc>
+                <a:tc>
+                  <a:txBody>
+                    <a:bodyPr/>
+                    <a:lstStyle/>
+                    <a:p>
+                      <a:pPr algn="r" fontAlgn="b"/>
+                      <a:r>
+                        <a:rPr lang="sk-SK" sz="1400" u="none" strike="noStrike" dirty="0">
+                          <a:effectLst/>
+                        </a:rPr>
+                        <a:t>21,3</a:t>
+                      </a:r>
+                      <a:endParaRPr lang="sk-SK" sz="1400" b="0" i="0" u="none" strike="noStrike" dirty="0">
+                        <a:solidFill>
+                          <a:srgbClr val="000000"/>
+                        </a:solidFill>
+                        <a:effectLst/>
+                        <a:latin typeface="Calibri"/>
+                      </a:endParaRPr>
+                    </a:p>
+                  </a:txBody>
+                  <a:tcPr marL="72000" marR="72000" marT="18000" marB="0" anchor="b">
+                    <a:lnL w="12700" cap="flat" cmpd="sng" algn="ctr">
+                      <a:solidFill>
+                        <a:schemeClr val="tx1"/>
+                      </a:solidFill>
+                      <a:prstDash val="solid"/>
+                      <a:round/>
+                      <a:headEnd type="none" w="med" len="med"/>
+                      <a:tailEnd type="none" w="med" len="med"/>
+                    </a:lnL>
+                    <a:lnR w="12700" cap="flat" cmpd="sng" algn="ctr">
+                      <a:solidFill>
+                        <a:schemeClr val="tx1"/>
+                      </a:solidFill>
+                      <a:prstDash val="solid"/>
+                      <a:round/>
+                      <a:headEnd type="none" w="med" len="med"/>
+                      <a:tailEnd type="none" w="med" len="med"/>
+                    </a:lnR>
+                    <a:lnT w="12700" cap="flat" cmpd="sng" algn="ctr">
+                      <a:solidFill>
+                        <a:schemeClr val="tx1"/>
+                      </a:solidFill>
+                      <a:prstDash val="solid"/>
+                      <a:round/>
+                      <a:headEnd type="none" w="med" len="med"/>
+                      <a:tailEnd type="none" w="med" len="med"/>
+                    </a:lnT>
+                    <a:lnB w="12700" cap="flat" cmpd="sng" algn="ctr">
+                      <a:solidFill>
+                        <a:schemeClr val="tx1"/>
+                      </a:solidFill>
+                      <a:prstDash val="solid"/>
+                      <a:round/>
+                      <a:headEnd type="none" w="med" len="med"/>
+                      <a:tailEnd type="none" w="med" len="med"/>
+                    </a:lnB>
+                  </a:tcPr>
+                </a:tc>
+              </a:tr>
+              <a:tr h="210675">
+                <a:tc>
+                  <a:txBody>
+                    <a:bodyPr/>
+                    <a:lstStyle/>
+                    <a:p>
+                      <a:pPr algn="l" fontAlgn="b"/>
+                      <a:r>
+                        <a:rPr lang="sk-SK" sz="1400" b="1" u="none" strike="noStrike" dirty="0" smtClean="0">
+                          <a:effectLst/>
+                        </a:rPr>
+                        <a:t>Volant </a:t>
+                      </a:r>
+                      <a:r>
+                        <a:rPr lang="sk-SK" sz="1400" b="1" u="none" strike="noStrike" dirty="0">
+                          <a:effectLst/>
+                        </a:rPr>
+                        <a:t>(priemer)</a:t>
+                      </a:r>
+                      <a:endParaRPr lang="sk-SK" sz="1400" b="1" i="0" u="none" strike="noStrike" dirty="0">
+                        <a:solidFill>
+                          <a:srgbClr val="000000"/>
+                        </a:solidFill>
+                        <a:effectLst/>
+                        <a:latin typeface="Calibri"/>
+                      </a:endParaRPr>
+                    </a:p>
+                  </a:txBody>
+                  <a:tcPr marL="72000" marR="72000" marT="18000" marB="0" anchor="b">
+                    <a:lnL w="12700" cap="flat" cmpd="sng" algn="ctr">
+                      <a:solidFill>
+                        <a:schemeClr val="tx1"/>
+                      </a:solidFill>
+                      <a:prstDash val="solid"/>
+                      <a:round/>
+                      <a:headEnd type="none" w="med" len="med"/>
+                      <a:tailEnd type="none" w="med" len="med"/>
+                    </a:lnL>
+                    <a:lnR w="12700" cap="flat" cmpd="sng" algn="ctr">
+                      <a:solidFill>
+                        <a:schemeClr val="tx1"/>
+                      </a:solidFill>
+                      <a:prstDash val="solid"/>
+                      <a:round/>
+                      <a:headEnd type="none" w="med" len="med"/>
+                      <a:tailEnd type="none" w="med" len="med"/>
+                    </a:lnR>
+                    <a:lnT w="12700" cap="flat" cmpd="sng" algn="ctr">
+                      <a:solidFill>
+                        <a:schemeClr val="tx1"/>
+                      </a:solidFill>
+                      <a:prstDash val="solid"/>
+                      <a:round/>
+                      <a:headEnd type="none" w="med" len="med"/>
+                      <a:tailEnd type="none" w="med" len="med"/>
+                    </a:lnT>
+                    <a:lnB w="12700" cap="flat" cmpd="sng" algn="ctr">
+                      <a:solidFill>
+                        <a:schemeClr val="tx1"/>
+                      </a:solidFill>
+                      <a:prstDash val="solid"/>
+                      <a:round/>
+                      <a:headEnd type="none" w="med" len="med"/>
+                      <a:tailEnd type="none" w="med" len="med"/>
+                    </a:lnB>
+                    <a:solidFill>
+                      <a:schemeClr val="accent5">
+                        <a:lumMod val="60000"/>
+                        <a:lumOff val="40000"/>
+                      </a:schemeClr>
+                    </a:solidFill>
+                  </a:tcPr>
+                </a:tc>
+                <a:tc>
+                  <a:txBody>
+                    <a:bodyPr/>
+                    <a:lstStyle/>
+                    <a:p>
+                      <a:pPr algn="r" fontAlgn="b"/>
+                      <a:r>
+                        <a:rPr lang="sk-SK" sz="1400" b="1" u="none" strike="noStrike" dirty="0">
+                          <a:effectLst/>
+                        </a:rPr>
+                        <a:t>20,9</a:t>
+                      </a:r>
+                      <a:endParaRPr lang="sk-SK" sz="1400" b="1" i="0" u="none" strike="noStrike" dirty="0">
+                        <a:solidFill>
+                          <a:srgbClr val="000000"/>
+                        </a:solidFill>
+                        <a:effectLst/>
+                        <a:latin typeface="Calibri"/>
+                      </a:endParaRPr>
+                    </a:p>
+                  </a:txBody>
+                  <a:tcPr marL="72000" marR="72000" marT="18000" marB="0" anchor="b">
+                    <a:lnL w="12700" cap="flat" cmpd="sng" algn="ctr">
+                      <a:solidFill>
+                        <a:schemeClr val="tx1"/>
+                      </a:solidFill>
+                      <a:prstDash val="solid"/>
+                      <a:round/>
+                      <a:headEnd type="none" w="med" len="med"/>
+                      <a:tailEnd type="none" w="med" len="med"/>
+                    </a:lnL>
+                    <a:lnR w="12700" cap="flat" cmpd="sng" algn="ctr">
+                      <a:solidFill>
+                        <a:schemeClr val="tx1"/>
+                      </a:solidFill>
+                      <a:prstDash val="solid"/>
+                      <a:round/>
+                      <a:headEnd type="none" w="med" len="med"/>
+                      <a:tailEnd type="none" w="med" len="med"/>
+                    </a:lnR>
+                    <a:lnT w="12700" cap="flat" cmpd="sng" algn="ctr">
+                      <a:solidFill>
+                        <a:schemeClr val="tx1"/>
+                      </a:solidFill>
+                      <a:prstDash val="solid"/>
+                      <a:round/>
+                      <a:headEnd type="none" w="med" len="med"/>
+                      <a:tailEnd type="none" w="med" len="med"/>
+                    </a:lnT>
+                    <a:lnB w="12700" cap="flat" cmpd="sng" algn="ctr">
+                      <a:solidFill>
+                        <a:schemeClr val="tx1"/>
+                      </a:solidFill>
+                      <a:prstDash val="solid"/>
+                      <a:round/>
+                      <a:headEnd type="none" w="med" len="med"/>
+                      <a:tailEnd type="none" w="med" len="med"/>
+                    </a:lnB>
+                    <a:solidFill>
+                      <a:schemeClr val="accent5">
+                        <a:lumMod val="60000"/>
+                        <a:lumOff val="40000"/>
+                      </a:schemeClr>
+                    </a:solidFill>
+                  </a:tcPr>
+                </a:tc>
+              </a:tr>
+              <a:tr h="230693">
+                <a:tc>
+                  <a:txBody>
+                    <a:bodyPr/>
+                    <a:lstStyle/>
+                    <a:p>
+                      <a:pPr algn="l" fontAlgn="b"/>
+                      <a:r>
+                        <a:rPr lang="sk-SK" sz="1400" u="none" strike="noStrike" dirty="0" smtClean="0">
+                          <a:effectLst/>
+                        </a:rPr>
+                        <a:t>Klávesnica </a:t>
+                      </a:r>
+                      <a:r>
+                        <a:rPr lang="sk-SK" sz="1400" u="none" strike="noStrike" dirty="0">
+                          <a:effectLst/>
+                        </a:rPr>
+                        <a:t>1</a:t>
+                      </a:r>
+                      <a:endParaRPr lang="sk-SK" sz="1400" b="0" i="0" u="none" strike="noStrike" dirty="0">
+                        <a:solidFill>
+                          <a:srgbClr val="000000"/>
+                        </a:solidFill>
+                        <a:effectLst/>
+                        <a:latin typeface="Calibri"/>
+                      </a:endParaRPr>
+                    </a:p>
+                  </a:txBody>
+                  <a:tcPr marL="72000" marR="72000" marT="18000" marB="0" anchor="b">
+                    <a:lnL w="12700" cap="flat" cmpd="sng" algn="ctr">
+                      <a:solidFill>
+                        <a:schemeClr val="tx1"/>
+                      </a:solidFill>
+                      <a:prstDash val="solid"/>
+                      <a:round/>
+                      <a:headEnd type="none" w="med" len="med"/>
+                      <a:tailEnd type="none" w="med" len="med"/>
+                    </a:lnL>
+                    <a:lnR w="12700" cap="flat" cmpd="sng" algn="ctr">
+                      <a:solidFill>
+                        <a:schemeClr val="tx1"/>
+                      </a:solidFill>
+                      <a:prstDash val="solid"/>
+                      <a:round/>
+                      <a:headEnd type="none" w="med" len="med"/>
+                      <a:tailEnd type="none" w="med" len="med"/>
+                    </a:lnR>
+                    <a:lnT w="12700" cap="flat" cmpd="sng" algn="ctr">
+                      <a:solidFill>
+                        <a:schemeClr val="tx1"/>
+                      </a:solidFill>
+                      <a:prstDash val="solid"/>
+                      <a:round/>
+                      <a:headEnd type="none" w="med" len="med"/>
+                      <a:tailEnd type="none" w="med" len="med"/>
+                    </a:lnT>
+                    <a:lnB w="12700" cap="flat" cmpd="sng" algn="ctr">
+                      <a:solidFill>
+                        <a:schemeClr val="tx1"/>
+                      </a:solidFill>
+                      <a:prstDash val="solid"/>
+                      <a:round/>
+                      <a:headEnd type="none" w="med" len="med"/>
+                      <a:tailEnd type="none" w="med" len="med"/>
+                    </a:lnB>
+                  </a:tcPr>
+                </a:tc>
+                <a:tc>
+                  <a:txBody>
+                    <a:bodyPr/>
+                    <a:lstStyle/>
+                    <a:p>
+                      <a:pPr algn="r" fontAlgn="b"/>
+                      <a:r>
+                        <a:rPr lang="sk-SK" sz="1400" u="none" strike="noStrike">
+                          <a:effectLst/>
+                        </a:rPr>
+                        <a:t>48,7</a:t>
+                      </a:r>
+                      <a:endParaRPr lang="sk-SK" sz="1400" b="0" i="0" u="none" strike="noStrike">
+                        <a:solidFill>
+                          <a:srgbClr val="000000"/>
+                        </a:solidFill>
+                        <a:effectLst/>
+                        <a:latin typeface="Calibri"/>
+                      </a:endParaRPr>
+                    </a:p>
+                  </a:txBody>
+                  <a:tcPr marL="72000" marR="72000" marT="18000" marB="0" anchor="b">
+                    <a:lnL w="12700" cap="flat" cmpd="sng" algn="ctr">
+                      <a:solidFill>
+                        <a:schemeClr val="tx1"/>
+                      </a:solidFill>
+                      <a:prstDash val="solid"/>
+                      <a:round/>
+                      <a:headEnd type="none" w="med" len="med"/>
+                      <a:tailEnd type="none" w="med" len="med"/>
+                    </a:lnL>
+                    <a:lnR w="12700" cap="flat" cmpd="sng" algn="ctr">
+                      <a:solidFill>
+                        <a:schemeClr val="tx1"/>
+                      </a:solidFill>
+                      <a:prstDash val="solid"/>
+                      <a:round/>
+                      <a:headEnd type="none" w="med" len="med"/>
+                      <a:tailEnd type="none" w="med" len="med"/>
+                    </a:lnR>
+                    <a:lnT w="12700" cap="flat" cmpd="sng" algn="ctr">
+                      <a:solidFill>
+                        <a:schemeClr val="tx1"/>
+                      </a:solidFill>
+                      <a:prstDash val="solid"/>
+                      <a:round/>
+                      <a:headEnd type="none" w="med" len="med"/>
+                      <a:tailEnd type="none" w="med" len="med"/>
+                    </a:lnT>
+                    <a:lnB w="12700" cap="flat" cmpd="sng" algn="ctr">
+                      <a:solidFill>
+                        <a:schemeClr val="tx1"/>
+                      </a:solidFill>
+                      <a:prstDash val="solid"/>
+                      <a:round/>
+                      <a:headEnd type="none" w="med" len="med"/>
+                      <a:tailEnd type="none" w="med" len="med"/>
+                    </a:lnB>
+                  </a:tcPr>
+                </a:tc>
+              </a:tr>
+              <a:tr h="230693">
+                <a:tc>
+                  <a:txBody>
+                    <a:bodyPr/>
+                    <a:lstStyle/>
+                    <a:p>
+                      <a:pPr algn="l" fontAlgn="b"/>
+                      <a:r>
+                        <a:rPr lang="sk-SK" sz="1400" u="none" strike="noStrike" dirty="0" smtClean="0">
+                          <a:effectLst/>
+                        </a:rPr>
+                        <a:t>Klávesnica </a:t>
+                      </a:r>
+                      <a:r>
+                        <a:rPr lang="sk-SK" sz="1400" u="none" strike="noStrike" dirty="0">
+                          <a:effectLst/>
+                        </a:rPr>
+                        <a:t>2</a:t>
+                      </a:r>
+                      <a:endParaRPr lang="sk-SK" sz="1400" b="0" i="0" u="none" strike="noStrike" dirty="0">
+                        <a:solidFill>
+                          <a:srgbClr val="000000"/>
+                        </a:solidFill>
+                        <a:effectLst/>
+                        <a:latin typeface="Calibri"/>
+                      </a:endParaRPr>
+                    </a:p>
+                  </a:txBody>
+                  <a:tcPr marL="72000" marR="72000" marT="18000" marB="0" anchor="b">
+                    <a:lnL w="12700" cap="flat" cmpd="sng" algn="ctr">
+                      <a:solidFill>
+                        <a:schemeClr val="tx1"/>
+                      </a:solidFill>
+                      <a:prstDash val="solid"/>
+                      <a:round/>
+                      <a:headEnd type="none" w="med" len="med"/>
+                      <a:tailEnd type="none" w="med" len="med"/>
+                    </a:lnL>
+                    <a:lnR w="12700" cap="flat" cmpd="sng" algn="ctr">
+                      <a:solidFill>
+                        <a:schemeClr val="tx1"/>
+                      </a:solidFill>
+                      <a:prstDash val="solid"/>
+                      <a:round/>
+                      <a:headEnd type="none" w="med" len="med"/>
+                      <a:tailEnd type="none" w="med" len="med"/>
+                    </a:lnR>
+                    <a:lnT w="12700" cap="flat" cmpd="sng" algn="ctr">
+                      <a:solidFill>
+                        <a:schemeClr val="tx1"/>
+                      </a:solidFill>
+                      <a:prstDash val="solid"/>
+                      <a:round/>
+                      <a:headEnd type="none" w="med" len="med"/>
+                      <a:tailEnd type="none" w="med" len="med"/>
+                    </a:lnT>
+                    <a:lnB w="12700" cap="flat" cmpd="sng" algn="ctr">
+                      <a:solidFill>
+                        <a:schemeClr val="tx1"/>
+                      </a:solidFill>
+                      <a:prstDash val="solid"/>
+                      <a:round/>
+                      <a:headEnd type="none" w="med" len="med"/>
+                      <a:tailEnd type="none" w="med" len="med"/>
+                    </a:lnB>
+                  </a:tcPr>
+                </a:tc>
+                <a:tc>
+                  <a:txBody>
+                    <a:bodyPr/>
+                    <a:lstStyle/>
+                    <a:p>
+                      <a:pPr algn="r" fontAlgn="b"/>
+                      <a:r>
+                        <a:rPr lang="sk-SK" sz="1400" u="none" strike="noStrike">
+                          <a:effectLst/>
+                        </a:rPr>
+                        <a:t>52,2</a:t>
+                      </a:r>
+                      <a:endParaRPr lang="sk-SK" sz="1400" b="0" i="0" u="none" strike="noStrike">
+                        <a:solidFill>
+                          <a:srgbClr val="000000"/>
+                        </a:solidFill>
+                        <a:effectLst/>
+                        <a:latin typeface="Calibri"/>
+                      </a:endParaRPr>
+                    </a:p>
+                  </a:txBody>
+                  <a:tcPr marL="72000" marR="72000" marT="18000" marB="0" anchor="b">
+                    <a:lnL w="12700" cap="flat" cmpd="sng" algn="ctr">
+                      <a:solidFill>
+                        <a:schemeClr val="tx1"/>
+                      </a:solidFill>
+                      <a:prstDash val="solid"/>
+                      <a:round/>
+                      <a:headEnd type="none" w="med" len="med"/>
+                      <a:tailEnd type="none" w="med" len="med"/>
+                    </a:lnL>
+                    <a:lnR w="12700" cap="flat" cmpd="sng" algn="ctr">
+                      <a:solidFill>
+                        <a:schemeClr val="tx1"/>
+                      </a:solidFill>
+                      <a:prstDash val="solid"/>
+                      <a:round/>
+                      <a:headEnd type="none" w="med" len="med"/>
+                      <a:tailEnd type="none" w="med" len="med"/>
+                    </a:lnR>
+                    <a:lnT w="12700" cap="flat" cmpd="sng" algn="ctr">
+                      <a:solidFill>
+                        <a:schemeClr val="tx1"/>
+                      </a:solidFill>
+                      <a:prstDash val="solid"/>
+                      <a:round/>
+                      <a:headEnd type="none" w="med" len="med"/>
+                      <a:tailEnd type="none" w="med" len="med"/>
+                    </a:lnT>
+                    <a:lnB w="12700" cap="flat" cmpd="sng" algn="ctr">
+                      <a:solidFill>
+                        <a:schemeClr val="tx1"/>
+                      </a:solidFill>
+                      <a:prstDash val="solid"/>
+                      <a:round/>
+                      <a:headEnd type="none" w="med" len="med"/>
+                      <a:tailEnd type="none" w="med" len="med"/>
+                    </a:lnB>
+                  </a:tcPr>
+                </a:tc>
+              </a:tr>
+              <a:tr h="230693">
+                <a:tc>
+                  <a:txBody>
+                    <a:bodyPr/>
+                    <a:lstStyle/>
+                    <a:p>
+                      <a:pPr algn="l" fontAlgn="b"/>
+                      <a:r>
+                        <a:rPr lang="sk-SK" sz="1400" u="none" strike="noStrike" dirty="0" smtClean="0">
+                          <a:effectLst/>
+                        </a:rPr>
+                        <a:t>Klávesnica </a:t>
+                      </a:r>
+                      <a:r>
+                        <a:rPr lang="sk-SK" sz="1400" u="none" strike="noStrike" dirty="0">
+                          <a:effectLst/>
+                        </a:rPr>
+                        <a:t>3</a:t>
+                      </a:r>
+                      <a:endParaRPr lang="sk-SK" sz="1400" b="0" i="0" u="none" strike="noStrike" dirty="0">
+                        <a:solidFill>
+                          <a:srgbClr val="000000"/>
+                        </a:solidFill>
+                        <a:effectLst/>
+                        <a:latin typeface="Calibri"/>
+                      </a:endParaRPr>
+                    </a:p>
+                  </a:txBody>
+                  <a:tcPr marL="72000" marR="72000" marT="18000" marB="0" anchor="b">
+                    <a:lnL w="12700" cap="flat" cmpd="sng" algn="ctr">
+                      <a:solidFill>
+                        <a:schemeClr val="tx1"/>
+                      </a:solidFill>
+                      <a:prstDash val="solid"/>
+                      <a:round/>
+                      <a:headEnd type="none" w="med" len="med"/>
+                      <a:tailEnd type="none" w="med" len="med"/>
+                    </a:lnL>
+                    <a:lnR w="12700" cap="flat" cmpd="sng" algn="ctr">
+                      <a:solidFill>
+                        <a:schemeClr val="tx1"/>
+                      </a:solidFill>
+                      <a:prstDash val="solid"/>
+                      <a:round/>
+                      <a:headEnd type="none" w="med" len="med"/>
+                      <a:tailEnd type="none" w="med" len="med"/>
+                    </a:lnR>
+                    <a:lnT w="12700" cap="flat" cmpd="sng" algn="ctr">
+                      <a:solidFill>
+                        <a:schemeClr val="tx1"/>
+                      </a:solidFill>
+                      <a:prstDash val="solid"/>
+                      <a:round/>
+                      <a:headEnd type="none" w="med" len="med"/>
+                      <a:tailEnd type="none" w="med" len="med"/>
+                    </a:lnT>
+                    <a:lnB w="12700" cap="flat" cmpd="sng" algn="ctr">
+                      <a:solidFill>
+                        <a:schemeClr val="tx1"/>
+                      </a:solidFill>
+                      <a:prstDash val="solid"/>
+                      <a:round/>
+                      <a:headEnd type="none" w="med" len="med"/>
+                      <a:tailEnd type="none" w="med" len="med"/>
+                    </a:lnB>
+                  </a:tcPr>
+                </a:tc>
+                <a:tc>
+                  <a:txBody>
+                    <a:bodyPr/>
+                    <a:lstStyle/>
+                    <a:p>
+                      <a:pPr algn="r" fontAlgn="b"/>
+                      <a:r>
+                        <a:rPr lang="sk-SK" sz="1400" u="none" strike="noStrike">
+                          <a:effectLst/>
+                        </a:rPr>
+                        <a:t>55,7</a:t>
+                      </a:r>
+                      <a:endParaRPr lang="sk-SK" sz="1400" b="0" i="0" u="none" strike="noStrike">
+                        <a:solidFill>
+                          <a:srgbClr val="000000"/>
+                        </a:solidFill>
+                        <a:effectLst/>
+                        <a:latin typeface="Calibri"/>
+                      </a:endParaRPr>
+                    </a:p>
+                  </a:txBody>
+                  <a:tcPr marL="72000" marR="72000" marT="18000" marB="0" anchor="b">
+                    <a:lnL w="12700" cap="flat" cmpd="sng" algn="ctr">
+                      <a:solidFill>
+                        <a:schemeClr val="tx1"/>
+                      </a:solidFill>
+                      <a:prstDash val="solid"/>
+                      <a:round/>
+                      <a:headEnd type="none" w="med" len="med"/>
+                      <a:tailEnd type="none" w="med" len="med"/>
+                    </a:lnL>
+                    <a:lnR w="12700" cap="flat" cmpd="sng" algn="ctr">
+                      <a:solidFill>
+                        <a:schemeClr val="tx1"/>
+                      </a:solidFill>
+                      <a:prstDash val="solid"/>
+                      <a:round/>
+                      <a:headEnd type="none" w="med" len="med"/>
+                      <a:tailEnd type="none" w="med" len="med"/>
+                    </a:lnR>
+                    <a:lnT w="12700" cap="flat" cmpd="sng" algn="ctr">
+                      <a:solidFill>
+                        <a:schemeClr val="tx1"/>
+                      </a:solidFill>
+                      <a:prstDash val="solid"/>
+                      <a:round/>
+                      <a:headEnd type="none" w="med" len="med"/>
+                      <a:tailEnd type="none" w="med" len="med"/>
+                    </a:lnT>
+                    <a:lnB w="12700" cap="flat" cmpd="sng" algn="ctr">
+                      <a:solidFill>
+                        <a:schemeClr val="tx1"/>
+                      </a:solidFill>
+                      <a:prstDash val="solid"/>
+                      <a:round/>
+                      <a:headEnd type="none" w="med" len="med"/>
+                      <a:tailEnd type="none" w="med" len="med"/>
+                    </a:lnB>
+                  </a:tcPr>
+                </a:tc>
+              </a:tr>
+              <a:tr h="253365">
+                <a:tc>
+                  <a:txBody>
+                    <a:bodyPr/>
+                    <a:lstStyle/>
+                    <a:p>
+                      <a:pPr algn="l" fontAlgn="b"/>
+                      <a:r>
+                        <a:rPr lang="sk-SK" sz="1400" b="1" u="none" strike="noStrike" dirty="0" smtClean="0">
+                          <a:effectLst/>
+                        </a:rPr>
+                        <a:t>Klávesnica </a:t>
+                      </a:r>
+                      <a:r>
+                        <a:rPr lang="sk-SK" sz="1400" b="1" u="none" strike="noStrike" dirty="0">
+                          <a:effectLst/>
+                        </a:rPr>
+                        <a:t>(priemer)</a:t>
+                      </a:r>
+                      <a:endParaRPr lang="sk-SK" sz="1400" b="1" i="0" u="none" strike="noStrike" dirty="0">
+                        <a:solidFill>
+                          <a:srgbClr val="000000"/>
+                        </a:solidFill>
+                        <a:effectLst/>
+                        <a:latin typeface="Calibri"/>
+                      </a:endParaRPr>
+                    </a:p>
+                  </a:txBody>
+                  <a:tcPr marL="72000" marR="72000" marT="18000" marB="0" anchor="b">
+                    <a:lnL w="12700" cap="flat" cmpd="sng" algn="ctr">
+                      <a:solidFill>
+                        <a:schemeClr val="tx1"/>
+                      </a:solidFill>
+                      <a:prstDash val="solid"/>
+                      <a:round/>
+                      <a:headEnd type="none" w="med" len="med"/>
+                      <a:tailEnd type="none" w="med" len="med"/>
+                    </a:lnL>
+                    <a:lnR w="12700" cap="flat" cmpd="sng" algn="ctr">
+                      <a:solidFill>
+                        <a:schemeClr val="tx1"/>
+                      </a:solidFill>
+                      <a:prstDash val="solid"/>
+                      <a:round/>
+                      <a:headEnd type="none" w="med" len="med"/>
+                      <a:tailEnd type="none" w="med" len="med"/>
+                    </a:lnR>
+                    <a:lnT w="12700" cap="flat" cmpd="sng" algn="ctr">
+                      <a:solidFill>
+                        <a:schemeClr val="tx1"/>
+                      </a:solidFill>
+                      <a:prstDash val="solid"/>
+                      <a:round/>
+                      <a:headEnd type="none" w="med" len="med"/>
+                      <a:tailEnd type="none" w="med" len="med"/>
+                    </a:lnT>
+                    <a:lnB w="12700" cap="flat" cmpd="sng" algn="ctr">
+                      <a:solidFill>
+                        <a:schemeClr val="tx1"/>
+                      </a:solidFill>
+                      <a:prstDash val="solid"/>
+                      <a:round/>
+                      <a:headEnd type="none" w="med" len="med"/>
+                      <a:tailEnd type="none" w="med" len="med"/>
+                    </a:lnB>
+                    <a:solidFill>
+                      <a:schemeClr val="accent5">
+                        <a:lumMod val="60000"/>
+                        <a:lumOff val="40000"/>
+                      </a:schemeClr>
+                    </a:solidFill>
+                  </a:tcPr>
+                </a:tc>
+                <a:tc>
+                  <a:txBody>
+                    <a:bodyPr/>
+                    <a:lstStyle/>
+                    <a:p>
+                      <a:pPr algn="r" fontAlgn="b"/>
+                      <a:r>
+                        <a:rPr lang="sk-SK" sz="1400" b="1" u="none" strike="noStrike" dirty="0">
+                          <a:effectLst/>
+                        </a:rPr>
+                        <a:t>52,2</a:t>
+                      </a:r>
+                      <a:endParaRPr lang="sk-SK" sz="1400" b="1" i="0" u="none" strike="noStrike" dirty="0">
+                        <a:solidFill>
+                          <a:srgbClr val="000000"/>
+                        </a:solidFill>
+                        <a:effectLst/>
+                        <a:latin typeface="Calibri"/>
+                      </a:endParaRPr>
+                    </a:p>
+                  </a:txBody>
+                  <a:tcPr marL="72000" marR="72000" marT="18000" marB="0" anchor="b">
+                    <a:lnL w="12700" cap="flat" cmpd="sng" algn="ctr">
+                      <a:solidFill>
+                        <a:schemeClr val="tx1"/>
+                      </a:solidFill>
+                      <a:prstDash val="solid"/>
+                      <a:round/>
+                      <a:headEnd type="none" w="med" len="med"/>
+                      <a:tailEnd type="none" w="med" len="med"/>
+                    </a:lnL>
+                    <a:lnR w="12700" cap="flat" cmpd="sng" algn="ctr">
+                      <a:solidFill>
+                        <a:schemeClr val="tx1"/>
+                      </a:solidFill>
+                      <a:prstDash val="solid"/>
+                      <a:round/>
+                      <a:headEnd type="none" w="med" len="med"/>
+                      <a:tailEnd type="none" w="med" len="med"/>
+                    </a:lnR>
+                    <a:lnT w="12700" cap="flat" cmpd="sng" algn="ctr">
+                      <a:solidFill>
+                        <a:schemeClr val="tx1"/>
+                      </a:solidFill>
+                      <a:prstDash val="solid"/>
+                      <a:round/>
+                      <a:headEnd type="none" w="med" len="med"/>
+                      <a:tailEnd type="none" w="med" len="med"/>
+                    </a:lnT>
+                    <a:lnB w="12700" cap="flat" cmpd="sng" algn="ctr">
+                      <a:solidFill>
+                        <a:schemeClr val="tx1"/>
+                      </a:solidFill>
+                      <a:prstDash val="solid"/>
+                      <a:round/>
+                      <a:headEnd type="none" w="med" len="med"/>
+                      <a:tailEnd type="none" w="med" len="med"/>
+                    </a:lnB>
+                    <a:solidFill>
+                      <a:schemeClr val="accent5">
+                        <a:lumMod val="60000"/>
+                        <a:lumOff val="40000"/>
+                      </a:schemeClr>
+                    </a:solidFill>
+                  </a:tcPr>
+                </a:tc>
+              </a:tr>
+            </a:tbl>
+          </a:graphicData>
+        </a:graphic>
+      </p:graphicFrame>
+      <p:graphicFrame>
+        <p:nvGraphicFramePr>
+          <p:cNvPr id="5" name="Graf 4"/>
+          <p:cNvGraphicFramePr>
+            <a:graphicFrameLocks/>
+          </p:cNvGraphicFramePr>
+          <p:nvPr>
+            <p:extLst>
+              <p:ext uri="{D42A27DB-BD31-4B8C-83A1-F6EECF244321}">
+                <p14:modId xmlns:p14="http://schemas.microsoft.com/office/powerpoint/2010/main" val="3427488219"/>
+              </p:ext>
+            </p:extLst>
+          </p:nvPr>
+        </p:nvGraphicFramePr>
+        <p:xfrm>
+          <a:off x="27708" y="116632"/>
+          <a:ext cx="7568628" cy="4824536"/>
+        </p:xfrm>
+        <a:graphic>
+          <a:graphicData uri="http://schemas.openxmlformats.org/drawingml/2006/chart">
+            <c:chart xmlns:c="http://schemas.openxmlformats.org/drawingml/2006/chart" xmlns:r="http://schemas.openxmlformats.org/officeDocument/2006/relationships" r:id="rId2"/>
+          </a:graphicData>
+        </a:graphic>
+      </p:graphicFrame>
+    </p:spTree>
+    <p:extLst>
+      <p:ext uri="{BB962C8B-B14F-4D97-AF65-F5344CB8AC3E}">
+        <p14:creationId xmlns:p14="http://schemas.microsoft.com/office/powerpoint/2010/main" val="468068582"/>
+      </p:ext>
+    </p:extLst>
+  </p:cSld>
+  <p:clrMapOvr>
+    <a:masterClrMapping/>
+  </p:clrMapOvr>
 </p:sld>
 </file>
 
@@ -9731,8 +11591,38 @@
                 <a:spcPts val="1000"/>
               </a:spcAft>
             </a:pPr>
-            <a:r>
-              <a:rPr lang="sk-SK" sz="5000" dirty="0" smtClean="0">
+            <a:endParaRPr lang="sk-SK" sz="300" dirty="0" smtClean="0">
+              <a:ln w="17780" cap="flat" cmpd="sng" algn="ctr">
+                <a:solidFill>
+                  <a:srgbClr val="000000"/>
+                </a:solidFill>
+                <a:prstDash val="solid"/>
+                <a:miter lim="0"/>
+              </a:ln>
+              <a:solidFill>
+                <a:srgbClr val="0D0D0D"/>
+              </a:solidFill>
+              <a:effectLst>
+                <a:outerShdw blurRad="50800" algn="tl">
+                  <a:srgbClr val="000000"/>
+                </a:outerShdw>
+              </a:effectLst>
+              <a:latin typeface="Calibri"/>
+              <a:ea typeface="Calibri"/>
+              <a:cs typeface="Times New Roman"/>
+            </a:endParaRPr>
+          </a:p>
+          <a:p>
+            <a:pPr algn="ctr">
+              <a:lnSpc>
+                <a:spcPct val="115000"/>
+              </a:lnSpc>
+              <a:spcAft>
+                <a:spcPts val="1000"/>
+              </a:spcAft>
+            </a:pPr>
+            <a:r>
+              <a:rPr lang="sk-SK" sz="6000" dirty="0" smtClean="0">
                 <a:ln w="17780" cap="flat" cmpd="sng" algn="ctr">
                   <a:solidFill>
                     <a:srgbClr val="000000"/>
@@ -9752,10 +11642,10 @@
                 <a:ea typeface="Calibri"/>
                 <a:cs typeface="Times New Roman"/>
               </a:rPr>
-              <a:t>Robota je možné ovládať pomocou volantu.</a:t>
+              <a:t>Herný volant zlepší</a:t>
             </a:r>
             <a:br>
-              <a:rPr lang="sk-SK" sz="5000" dirty="0" smtClean="0">
+              <a:rPr lang="sk-SK" sz="6000" dirty="0" smtClean="0">
                 <a:ln w="17780" cap="flat" cmpd="sng" algn="ctr">
                   <a:solidFill>
                     <a:srgbClr val="000000"/>
@@ -9777,30 +11667,7 @@
               </a:rPr>
             </a:br>
             <a:r>
-              <a:rPr lang="sk-SK" sz="5000" dirty="0" smtClean="0">
-                <a:ln w="17780" cap="flat" cmpd="sng" algn="ctr">
-                  <a:solidFill>
-                    <a:srgbClr val="000000"/>
-                  </a:solidFill>
-                  <a:prstDash val="solid"/>
-                  <a:miter lim="0"/>
-                </a:ln>
-                <a:solidFill>
-                  <a:srgbClr val="0D0D0D"/>
-                </a:solidFill>
-                <a:effectLst>
-                  <a:outerShdw blurRad="50800" algn="tl">
-                    <a:srgbClr val="000000"/>
-                  </a:outerShdw>
-                </a:effectLst>
-                <a:latin typeface="Calibri"/>
-                <a:ea typeface="Calibri"/>
-                <a:cs typeface="Times New Roman"/>
-              </a:rPr>
-              <a:t>Jeho </a:t>
-            </a:r>
-            <a:r>
-              <a:rPr lang="sk-SK" sz="5000" dirty="0" err="1" smtClean="0">
+              <a:rPr lang="sk-SK" sz="6000" dirty="0" err="1" smtClean="0">
                 <a:ln w="17780" cap="flat" cmpd="sng" algn="ctr">
                   <a:solidFill>
                     <a:srgbClr val="000000"/>
@@ -9823,7 +11690,7 @@
               <a:t>manévrovateľnosť</a:t>
             </a:r>
             <a:r>
-              <a:rPr lang="sk-SK" sz="5000" dirty="0" smtClean="0">
+              <a:rPr lang="sk-SK" sz="6000" dirty="0" smtClean="0">
                 <a:ln w="17780" cap="flat" cmpd="sng" algn="ctr">
                   <a:solidFill>
                     <a:srgbClr val="000000"/>
@@ -9843,10 +11710,10 @@
                 <a:ea typeface="Calibri"/>
                 <a:cs typeface="Times New Roman"/>
               </a:rPr>
-              <a:t> </a:t>
+              <a:t/>
             </a:r>
             <a:br>
-              <a:rPr lang="sk-SK" sz="5000" dirty="0" smtClean="0">
+              <a:rPr lang="sk-SK" sz="6000" dirty="0" smtClean="0">
                 <a:ln w="17780" cap="flat" cmpd="sng" algn="ctr">
                   <a:solidFill>
                     <a:srgbClr val="000000"/>
@@ -9868,7 +11735,7 @@
               </a:rPr>
             </a:br>
             <a:r>
-              <a:rPr lang="sk-SK" sz="5000" dirty="0" smtClean="0">
+              <a:rPr lang="sk-SK" sz="6000" dirty="0" smtClean="0">
                 <a:ln w="17780" cap="flat" cmpd="sng" algn="ctr">
                   <a:solidFill>
                     <a:srgbClr val="000000"/>
@@ -9888,7 +11755,7 @@
                 <a:ea typeface="Calibri"/>
                 <a:cs typeface="Times New Roman"/>
               </a:rPr>
-              <a:t>sa zlepší.</a:t>
+              <a:t>robota.</a:t>
             </a:r>
             <a:endParaRPr lang="sk-SK" sz="1100" dirty="0">
               <a:effectLst/>
@@ -10040,7 +11907,23 @@
             </a:r>
             <a:r>
               <a:rPr lang="sk-SK" sz="2200" dirty="0"/>
-              <a:t>rok som urobil robota, na ktorom som demonštroval rôzne asistenčné systémy z automobilov. Ovládal sa pomocou 4 tlačidiel. Prvé dve tlačidlá spôsobili, že robot išiel dopredu resp. dozadu a druhé dve, že sa otáčal namieste doprava resp. doľava. Toto ovládanie bolo ťažkopádne: vždy, keď som chcel zmeniť smer, musel som zastať, otočiť sa a až potom ísť daným smerom. Pomocou nového ovládania volantom som chcel docieliť plynulosť chodu robota.</a:t>
+              <a:t>rok som urobil robota, na ktorom som demonštroval rôzne asistenčné systémy z automobilov. Ovládal sa pomocou 4 tlačidiel. Prvé dve tlačidlá spôsobili, že robot išiel dopredu resp. dozadu a druhé dve, že sa otáčal namieste doprava resp. doľava. Toto ovládanie bolo ťažkopádne: vždy, keď som chcel zmeniť smer, musel som </a:t>
+            </a:r>
+            <a:r>
+              <a:rPr lang="sk-SK" sz="2200" dirty="0" smtClean="0"/>
+              <a:t>robota zastaviť, </a:t>
+            </a:r>
+            <a:r>
+              <a:rPr lang="sk-SK" sz="2200" dirty="0"/>
+              <a:t>otočiť </a:t>
+            </a:r>
+            <a:r>
+              <a:rPr lang="sk-SK" sz="2200" dirty="0" smtClean="0"/>
+              <a:t>ho </a:t>
+            </a:r>
+            <a:r>
+              <a:rPr lang="sk-SK" sz="2200" dirty="0"/>
+              <a:t>a až potom ísť daným smerom. Pomocou nového ovládania volantom som chcel docieliť plynulosť chodu robota.</a:t>
             </a:r>
             <a:r>
               <a:rPr lang="sk-SK" sz="2200" dirty="0" smtClean="0"/>
@@ -10149,7 +12032,6 @@
               <a:rPr lang="sk-SK" sz="2200" dirty="0"/>
               <a:t> prijme signál a podľa neho dáva pokyny motorom. </a:t>
             </a:r>
-            <a:endParaRPr lang="sk-SK" sz="2200" dirty="0"/>
           </a:p>
         </p:txBody>
       </p:sp>
@@ -10220,9 +12102,27 @@
             <a:pPr marL="0" indent="0">
               <a:buNone/>
             </a:pPr>
+            <a:endParaRPr lang="sk-SK" sz="1100" dirty="0" smtClean="0"/>
+          </a:p>
+          <a:p>
+            <a:pPr marL="0" indent="0">
+              <a:buNone/>
+            </a:pPr>
+            <a:r>
+              <a:rPr lang="sk-SK" sz="2200" dirty="0" smtClean="0"/>
+              <a:t>Z</a:t>
+            </a:r>
             <a:r>
               <a:rPr lang="sk-SK" sz="2200" dirty="0"/>
-              <a:t>Z minulého robota som prevzal a upravil systém proti nárazu založený na meraní vzdialenosti od prekážky pomocou ultrazvukového senzora. Tiež som spravil signalizáciu nárazu (v prípade že je tento systém vypnutý a príde k nárazu) zatrasením volantu</a:t>
+              <a:t> minulého robota som prevzal a upravil systém proti nárazu založený na meraní vzdialenosti od prekážky pomocou ultrazvukového senzora. Tiež som spravil </a:t>
+            </a:r>
+            <a:r>
+              <a:rPr lang="sk-SK" sz="2200" dirty="0" smtClean="0"/>
+              <a:t>spätnú väzbu otrasov pomocou chvenia </a:t>
+            </a:r>
+            <a:r>
+              <a:rPr lang="sk-SK" sz="2200" dirty="0"/>
+              <a:t>volantu</a:t>
             </a:r>
             <a:r>
               <a:rPr lang="sk-SK" sz="2200" dirty="0" smtClean="0"/>
@@ -10290,11 +12190,7 @@
             </a:r>
             <a:r>
               <a:rPr lang="sk-SK" sz="2200" dirty="0" smtClean="0"/>
-              <a:t>: </a:t>
-            </a:r>
-            <a:r>
-              <a:rPr lang="sk-SK" sz="2200" dirty="0" smtClean="0"/>
-              <a:t>Meral </a:t>
+              <a:t>: Meral </a:t>
             </a:r>
             <a:r>
               <a:rPr lang="sk-SK" sz="2200" dirty="0"/>
@@ -10341,11 +12237,7 @@
             </a:r>
             <a:r>
               <a:rPr lang="sk-SK" sz="2200" dirty="0"/>
-              <a:t> </a:t>
-            </a:r>
-            <a:r>
-              <a:rPr lang="sk-SK" sz="2200" dirty="0"/>
-              <a:t>Zostrojil som ovládanie robota pomocou volantu, čím sa výrazne zlepšila jeho </a:t>
+              <a:t> Zostrojil som ovládanie robota pomocou volantu, čím sa výrazne zlepšila jeho </a:t>
             </a:r>
             <a:r>
               <a:rPr lang="sk-SK" sz="2200" dirty="0" err="1"/>
@@ -10372,13 +12264,7 @@
               <a:rPr lang="sk-SK" sz="2200" dirty="0" smtClean="0">
                 <a:hlinkClick r:id="rId2"/>
               </a:rPr>
-              <a:t>https://</a:t>
-            </a:r>
-            <a:r>
-              <a:rPr lang="sk-SK" sz="2200" dirty="0" smtClean="0">
-                <a:hlinkClick r:id="rId2"/>
-              </a:rPr>
-              <a:t>github.com/janmederly/rp7</a:t>
+              <a:t>https://github.com/janmederly/rp7</a:t>
             </a:r>
             <a:r>
               <a:rPr lang="sk-SK" sz="2200" dirty="0" smtClean="0"/>
@@ -10493,21 +12379,6 @@
           <a:p>
             <a:pPr algn="ctr"/>
             <a:r>
-              <a:rPr lang="sk-SK" sz="4800" dirty="0">
-                <a:solidFill>
-                  <a:srgbClr val="000000"/>
-                </a:solidFill>
-                <a:effectLst>
-                  <a:outerShdw blurRad="38100" dist="38100" dir="2700000" algn="tl">
-                    <a:srgbClr val="000000">
-                      <a:alpha val="43137"/>
-                    </a:srgbClr>
-                  </a:outerShdw>
-                </a:effectLst>
-              </a:rPr>
-              <a:t>Súčasti </a:t>
-            </a:r>
-            <a:r>
               <a:rPr lang="sk-SK" sz="4800" dirty="0" smtClean="0">
                 <a:solidFill>
                   <a:srgbClr val="000000"/>
@@ -10520,7 +12391,7 @@
                   </a:outerShdw>
                 </a:effectLst>
               </a:rPr>
-              <a:t>systému</a:t>
+              <a:t>Súčasti systému</a:t>
             </a:r>
             <a:endParaRPr lang="sk-SK" sz="4800" dirty="0">
               <a:solidFill>
@@ -11228,7 +13099,7 @@
 </file>
 
 <file path=ppt/slides/slide6.xml><?xml version="1.0" encoding="utf-8"?>
-<p:sld xmlns:a="http://schemas.openxmlformats.org/drawingml/2006/main" xmlns:r="http://schemas.openxmlformats.org/officeDocument/2006/relationships" xmlns:p="http://schemas.openxmlformats.org/presentationml/2006/main">
+<p:sld xmlns:a="http://schemas.openxmlformats.org/drawingml/2006/main" xmlns:r="http://schemas.openxmlformats.org/officeDocument/2006/relationships" xmlns:p="http://schemas.openxmlformats.org/presentationml/2006/main" showMasterSp="0">
   <p:cSld>
     <p:spTree>
       <p:nvGrpSpPr>
@@ -14911,8 +16782,58 @@
         </p:blipFill>
         <p:spPr bwMode="auto">
           <a:xfrm>
-            <a:off x="6505248" y="2555504"/>
-            <a:ext cx="2520280" cy="2341855"/>
+            <a:off x="7413001" y="2768451"/>
+            <a:ext cx="1458413" cy="1355164"/>
+          </a:xfrm>
+          <a:prstGeom prst="rect">
+            <a:avLst/>
+          </a:prstGeom>
+          <a:noFill/>
+          <a:extLst>
+            <a:ext uri="{909E8E84-426E-40DD-AFC4-6F175D3DCCD1}">
+              <a14:hiddenFill xmlns:a14="http://schemas.microsoft.com/office/drawing/2010/main">
+                <a:solidFill>
+                  <a:srgbClr val="FFFFFF"/>
+                </a:solidFill>
+              </a14:hiddenFill>
+            </a:ext>
+          </a:extLst>
+        </p:spPr>
+      </p:pic>
+      <p:pic>
+        <p:nvPicPr>
+          <p:cNvPr id="23" name="Picture 4" descr="Logitech Driving Force GT - 0"/>
+          <p:cNvPicPr>
+            <a:picLocks noChangeAspect="1" noChangeArrowheads="1"/>
+          </p:cNvPicPr>
+          <p:nvPr/>
+        </p:nvPicPr>
+        <p:blipFill>
+          <a:blip r:embed="rId5" cstate="print">
+            <a:extLst>
+              <a:ext uri="{BEBA8EAE-BF5A-486C-A8C5-ECC9F3942E4B}">
+                <a14:imgProps xmlns:a14="http://schemas.microsoft.com/office/drawing/2010/main">
+                  <a14:imgLayer r:embed="rId6">
+                    <a14:imgEffect>
+                      <a14:backgroundRemoval t="938" b="97890" l="0" r="99512"/>
+                    </a14:imgEffect>
+                  </a14:imgLayer>
+                </a14:imgProps>
+              </a:ext>
+              <a:ext uri="{28A0092B-C50C-407E-A947-70E740481C1C}">
+                <a14:useLocalDpi xmlns:a14="http://schemas.microsoft.com/office/drawing/2010/main" val="0"/>
+              </a:ext>
+            </a:extLst>
+          </a:blip>
+          <a:srcRect/>
+          <a:stretch>
+            <a:fillRect/>
+          </a:stretch>
+        </p:blipFill>
+        <p:spPr bwMode="auto">
+          <a:xfrm>
+            <a:off x="5826907" y="4077073"/>
+            <a:ext cx="3181439" cy="2650164"/>
           </a:xfrm>
           <a:prstGeom prst="rect">
             <a:avLst/>
